--- a/day_1_august_7/DEMO ON ANGULAR-17.pptx
+++ b/day_1_august_7/DEMO ON ANGULAR-17.pptx
@@ -920,7 +920,7 @@
           <a:p>
             <a:fld id="{10F8D96C-0375-4F2D-A642-71C956AF3FBD}" type="datetimeFigureOut">
               <a:rPr lang="en-IN" smtClean="0"/>
-              <a:t>07-08-2024</a:t>
+              <a:t>08-08-2024</a:t>
             </a:fld>
             <a:endParaRPr lang="en-IN"/>
           </a:p>
@@ -2008,7 +2008,7 @@
           <a:p>
             <a:fld id="{10F8D96C-0375-4F2D-A642-71C956AF3FBD}" type="datetimeFigureOut">
               <a:rPr lang="en-IN" smtClean="0"/>
-              <a:t>07-08-2024</a:t>
+              <a:t>08-08-2024</a:t>
             </a:fld>
             <a:endParaRPr lang="en-IN"/>
           </a:p>
@@ -2988,7 +2988,7 @@
           <a:p>
             <a:fld id="{10F8D96C-0375-4F2D-A642-71C956AF3FBD}" type="datetimeFigureOut">
               <a:rPr lang="en-IN" smtClean="0"/>
-              <a:t>07-08-2024</a:t>
+              <a:t>08-08-2024</a:t>
             </a:fld>
             <a:endParaRPr lang="en-IN"/>
           </a:p>
@@ -4122,7 +4122,7 @@
           <a:p>
             <a:fld id="{10F8D96C-0375-4F2D-A642-71C956AF3FBD}" type="datetimeFigureOut">
               <a:rPr lang="en-IN" smtClean="0"/>
-              <a:t>07-08-2024</a:t>
+              <a:t>08-08-2024</a:t>
             </a:fld>
             <a:endParaRPr lang="en-IN"/>
           </a:p>
@@ -5155,7 +5155,7 @@
           <a:p>
             <a:fld id="{10F8D96C-0375-4F2D-A642-71C956AF3FBD}" type="datetimeFigureOut">
               <a:rPr lang="en-IN" smtClean="0"/>
-              <a:t>07-08-2024</a:t>
+              <a:t>08-08-2024</a:t>
             </a:fld>
             <a:endParaRPr lang="en-IN"/>
           </a:p>
@@ -5815,7 +5815,7 @@
           <a:p>
             <a:fld id="{10F8D96C-0375-4F2D-A642-71C956AF3FBD}" type="datetimeFigureOut">
               <a:rPr lang="en-IN" smtClean="0"/>
-              <a:t>07-08-2024</a:t>
+              <a:t>08-08-2024</a:t>
             </a:fld>
             <a:endParaRPr lang="en-IN"/>
           </a:p>
@@ -6676,7 +6676,7 @@
           <a:p>
             <a:fld id="{10F8D96C-0375-4F2D-A642-71C956AF3FBD}" type="datetimeFigureOut">
               <a:rPr lang="en-IN" smtClean="0"/>
-              <a:t>07-08-2024</a:t>
+              <a:t>08-08-2024</a:t>
             </a:fld>
             <a:endParaRPr lang="en-IN"/>
           </a:p>
@@ -6866,7 +6866,7 @@
           <a:p>
             <a:fld id="{10F8D96C-0375-4F2D-A642-71C956AF3FBD}" type="datetimeFigureOut">
               <a:rPr lang="en-IN" smtClean="0"/>
-              <a:t>07-08-2024</a:t>
+              <a:t>08-08-2024</a:t>
             </a:fld>
             <a:endParaRPr lang="en-IN"/>
           </a:p>
@@ -7838,7 +7838,7 @@
           <a:p>
             <a:fld id="{10F8D96C-0375-4F2D-A642-71C956AF3FBD}" type="datetimeFigureOut">
               <a:rPr lang="en-IN" smtClean="0"/>
-              <a:t>07-08-2024</a:t>
+              <a:t>08-08-2024</a:t>
             </a:fld>
             <a:endParaRPr lang="en-IN"/>
           </a:p>
@@ -8049,7 +8049,7 @@
           <a:p>
             <a:fld id="{10F8D96C-0375-4F2D-A642-71C956AF3FBD}" type="datetimeFigureOut">
               <a:rPr lang="en-IN" smtClean="0"/>
-              <a:t>07-08-2024</a:t>
+              <a:t>08-08-2024</a:t>
             </a:fld>
             <a:endParaRPr lang="en-IN"/>
           </a:p>
@@ -9083,7 +9083,7 @@
           <a:p>
             <a:fld id="{10F8D96C-0375-4F2D-A642-71C956AF3FBD}" type="datetimeFigureOut">
               <a:rPr lang="en-IN" smtClean="0"/>
-              <a:t>07-08-2024</a:t>
+              <a:t>08-08-2024</a:t>
             </a:fld>
             <a:endParaRPr lang="en-IN"/>
           </a:p>
@@ -9355,7 +9355,7 @@
           <a:p>
             <a:fld id="{10F8D96C-0375-4F2D-A642-71C956AF3FBD}" type="datetimeFigureOut">
               <a:rPr lang="en-IN" smtClean="0"/>
-              <a:t>07-08-2024</a:t>
+              <a:t>08-08-2024</a:t>
             </a:fld>
             <a:endParaRPr lang="en-IN"/>
           </a:p>
@@ -9765,7 +9765,7 @@
           <a:p>
             <a:fld id="{10F8D96C-0375-4F2D-A642-71C956AF3FBD}" type="datetimeFigureOut">
               <a:rPr lang="en-IN" smtClean="0"/>
-              <a:t>07-08-2024</a:t>
+              <a:t>08-08-2024</a:t>
             </a:fld>
             <a:endParaRPr lang="en-IN"/>
           </a:p>
@@ -9892,7 +9892,7 @@
           <a:p>
             <a:fld id="{10F8D96C-0375-4F2D-A642-71C956AF3FBD}" type="datetimeFigureOut">
               <a:rPr lang="en-IN" smtClean="0"/>
-              <a:t>07-08-2024</a:t>
+              <a:t>08-08-2024</a:t>
             </a:fld>
             <a:endParaRPr lang="en-IN"/>
           </a:p>
@@ -9987,7 +9987,7 @@
           <a:p>
             <a:fld id="{10F8D96C-0375-4F2D-A642-71C956AF3FBD}" type="datetimeFigureOut">
               <a:rPr lang="en-IN" smtClean="0"/>
-              <a:t>07-08-2024</a:t>
+              <a:t>08-08-2024</a:t>
             </a:fld>
             <a:endParaRPr lang="en-IN"/>
           </a:p>
@@ -11068,7 +11068,7 @@
           <a:p>
             <a:fld id="{10F8D96C-0375-4F2D-A642-71C956AF3FBD}" type="datetimeFigureOut">
               <a:rPr lang="en-IN" smtClean="0"/>
-              <a:t>07-08-2024</a:t>
+              <a:t>08-08-2024</a:t>
             </a:fld>
             <a:endParaRPr lang="en-IN"/>
           </a:p>
@@ -12176,7 +12176,7 @@
           <a:p>
             <a:fld id="{10F8D96C-0375-4F2D-A642-71C956AF3FBD}" type="datetimeFigureOut">
               <a:rPr lang="en-IN" smtClean="0"/>
-              <a:t>07-08-2024</a:t>
+              <a:t>08-08-2024</a:t>
             </a:fld>
             <a:endParaRPr lang="en-IN"/>
           </a:p>
@@ -13173,7 +13173,7 @@
           <a:p>
             <a:fld id="{10F8D96C-0375-4F2D-A642-71C956AF3FBD}" type="datetimeFigureOut">
               <a:rPr lang="en-IN" smtClean="0"/>
-              <a:t>07-08-2024</a:t>
+              <a:t>08-08-2024</a:t>
             </a:fld>
             <a:endParaRPr lang="en-IN"/>
           </a:p>
@@ -13775,11 +13775,11 @@
               <a:t>ON </a:t>
             </a:r>
             <a:br>
-              <a:rPr lang="en-IN" sz="5300" dirty="0"/>
+              <a:rPr lang="en-IN" sz="5300"/>
             </a:br>
             <a:r>
-              <a:rPr lang="en-IN" sz="6000" b="1" dirty="0"/>
-              <a:t>ANGULAR-17</a:t>
+              <a:rPr lang="en-IN" sz="6000" b="1"/>
+              <a:t>ANGULAR-18</a:t>
             </a:r>
             <a:endParaRPr lang="en-IN" b="1" dirty="0"/>
           </a:p>
